--- a/06_01MoreFunctionsCS152.pptx
+++ b/06_01MoreFunctionsCS152.pptx
@@ -6,18 +6,19 @@
     <p:sldMasterId id="2147483686" r:id="rId5"/>
   </p:sldMasterIdLst>
   <p:notesMasterIdLst>
-    <p:notesMasterId r:id="rId15"/>
+    <p:notesMasterId r:id="rId16"/>
   </p:notesMasterIdLst>
   <p:sldIdLst>
     <p:sldId id="256" r:id="rId6"/>
     <p:sldId id="268" r:id="rId7"/>
-    <p:sldId id="288" r:id="rId8"/>
-    <p:sldId id="291" r:id="rId9"/>
-    <p:sldId id="289" r:id="rId10"/>
-    <p:sldId id="290" r:id="rId11"/>
-    <p:sldId id="292" r:id="rId12"/>
-    <p:sldId id="299" r:id="rId13"/>
-    <p:sldId id="300" r:id="rId14"/>
+    <p:sldId id="301" r:id="rId8"/>
+    <p:sldId id="288" r:id="rId9"/>
+    <p:sldId id="291" r:id="rId10"/>
+    <p:sldId id="289" r:id="rId11"/>
+    <p:sldId id="290" r:id="rId12"/>
+    <p:sldId id="292" r:id="rId13"/>
+    <p:sldId id="299" r:id="rId14"/>
+    <p:sldId id="300" r:id="rId15"/>
   </p:sldIdLst>
   <p:sldSz cx="9144000" cy="5143500" type="screen16x9"/>
   <p:notesSz cx="6858000" cy="9144000"/>
@@ -269,391 +270,38 @@
 </p:presentation>
 </file>
 
-<file path=ppt/revisionInfo.xml><?xml version="1.0" encoding="utf-8"?>
-<p1510:revInfo xmlns:a="http://schemas.openxmlformats.org/drawingml/2006/main" xmlns:r="http://schemas.openxmlformats.org/officeDocument/2006/relationships" xmlns:p1510="http://schemas.microsoft.com/office/powerpoint/2015/10/main">
-  <p1510:revLst>
-    <p1510:client id="{057A192D-E217-4164-97C0-EE4A75DF9C7B}" v="12" dt="2022-09-22T23:29:42.796"/>
-  </p1510:revLst>
-</p1510:revInfo>
-</file>
-
 <file path=ppt/changesInfos/changesInfo1.xml><?xml version="1.0" encoding="utf-8"?>
 <pc:chgInfo xmlns:a="http://schemas.openxmlformats.org/drawingml/2006/main" xmlns:r="http://schemas.openxmlformats.org/officeDocument/2006/relationships" xmlns:ac="http://schemas.microsoft.com/office/drawing/2013/main/command" xmlns:pc="http://schemas.microsoft.com/office/powerpoint/2013/main/command">
   <pc:docChgLst>
     <pc:chgData name="Moraes,Marcia" userId="c9c67e8a-58e2-4733-9a1c-5d44fec4775b" providerId="ADAL" clId="{057A192D-E217-4164-97C0-EE4A75DF9C7B}"/>
-    <pc:docChg chg="undo custSel addSld delSld modSld">
-      <pc:chgData name="Moraes,Marcia" userId="c9c67e8a-58e2-4733-9a1c-5d44fec4775b" providerId="ADAL" clId="{057A192D-E217-4164-97C0-EE4A75DF9C7B}" dt="2022-09-22T23:31:58.003" v="1673"/>
+  </pc:docChgLst>
+  <pc:docChgLst>
+    <pc:chgData name="Marcia Moraes" userId="c9c67e8a-58e2-4733-9a1c-5d44fec4775b" providerId="ADAL" clId="{1C161051-F305-44BC-8320-E52FAB7F9605}"/>
+    <pc:docChg chg="addSld modSld">
+      <pc:chgData name="Marcia Moraes" userId="c9c67e8a-58e2-4733-9a1c-5d44fec4775b" providerId="ADAL" clId="{1C161051-F305-44BC-8320-E52FAB7F9605}" dt="2023-02-20T00:56:24.239" v="101" actId="20577"/>
       <pc:docMkLst>
         <pc:docMk/>
       </pc:docMkLst>
-      <pc:sldChg chg="modSp mod">
-        <pc:chgData name="Moraes,Marcia" userId="c9c67e8a-58e2-4733-9a1c-5d44fec4775b" providerId="ADAL" clId="{057A192D-E217-4164-97C0-EE4A75DF9C7B}" dt="2022-09-22T22:28:25.128" v="15" actId="20577"/>
+      <pc:sldChg chg="modSp add">
+        <pc:chgData name="Marcia Moraes" userId="c9c67e8a-58e2-4733-9a1c-5d44fec4775b" providerId="ADAL" clId="{1C161051-F305-44BC-8320-E52FAB7F9605}" dt="2023-02-20T00:56:24.239" v="101" actId="20577"/>
         <pc:sldMkLst>
           <pc:docMk/>
-          <pc:sldMk cId="0" sldId="256"/>
+          <pc:sldMk cId="2570581368" sldId="301"/>
         </pc:sldMkLst>
         <pc:spChg chg="mod">
-          <ac:chgData name="Moraes,Marcia" userId="c9c67e8a-58e2-4733-9a1c-5d44fec4775b" providerId="ADAL" clId="{057A192D-E217-4164-97C0-EE4A75DF9C7B}" dt="2022-09-22T22:28:25.128" v="15" actId="20577"/>
+          <ac:chgData name="Marcia Moraes" userId="c9c67e8a-58e2-4733-9a1c-5d44fec4775b" providerId="ADAL" clId="{1C161051-F305-44BC-8320-E52FAB7F9605}" dt="2023-02-20T00:55:20.167" v="21" actId="20577"/>
           <ac:spMkLst>
             <pc:docMk/>
-            <pc:sldMk cId="0" sldId="256"/>
-            <ac:spMk id="185" creationId="{00000000-0000-0000-0000-000000000000}"/>
-          </ac:spMkLst>
-        </pc:spChg>
-      </pc:sldChg>
-      <pc:sldChg chg="addSp delSp modSp mod">
-        <pc:chgData name="Moraes,Marcia" userId="c9c67e8a-58e2-4733-9a1c-5d44fec4775b" providerId="ADAL" clId="{057A192D-E217-4164-97C0-EE4A75DF9C7B}" dt="2022-09-22T22:31:20.548" v="52" actId="14100"/>
-        <pc:sldMkLst>
-          <pc:docMk/>
-          <pc:sldMk cId="2954226462" sldId="268"/>
-        </pc:sldMkLst>
-        <pc:spChg chg="mod">
-          <ac:chgData name="Moraes,Marcia" userId="c9c67e8a-58e2-4733-9a1c-5d44fec4775b" providerId="ADAL" clId="{057A192D-E217-4164-97C0-EE4A75DF9C7B}" dt="2022-09-22T22:29:39.343" v="49" actId="20577"/>
-          <ac:spMkLst>
-            <pc:docMk/>
-            <pc:sldMk cId="2954226462" sldId="268"/>
-            <ac:spMk id="7" creationId="{F1F79DD2-1F3F-234C-A44A-3A87D436D29A}"/>
-          </ac:spMkLst>
-        </pc:spChg>
-        <pc:picChg chg="add mod">
-          <ac:chgData name="Moraes,Marcia" userId="c9c67e8a-58e2-4733-9a1c-5d44fec4775b" providerId="ADAL" clId="{057A192D-E217-4164-97C0-EE4A75DF9C7B}" dt="2022-09-22T22:31:20.548" v="52" actId="14100"/>
-          <ac:picMkLst>
-            <pc:docMk/>
-            <pc:sldMk cId="2954226462" sldId="268"/>
-            <ac:picMk id="1026" creationId="{D4B45D9E-A747-4DDA-B821-5624463E5D35}"/>
-          </ac:picMkLst>
-        </pc:picChg>
-        <pc:picChg chg="del">
-          <ac:chgData name="Moraes,Marcia" userId="c9c67e8a-58e2-4733-9a1c-5d44fec4775b" providerId="ADAL" clId="{057A192D-E217-4164-97C0-EE4A75DF9C7B}" dt="2022-09-22T22:29:34.104" v="47" actId="478"/>
-          <ac:picMkLst>
-            <pc:docMk/>
-            <pc:sldMk cId="2954226462" sldId="268"/>
-            <ac:picMk id="1030" creationId="{83D0F5CD-1EEC-604C-481A-8DF8AE1231FF}"/>
-          </ac:picMkLst>
-        </pc:picChg>
-      </pc:sldChg>
-      <pc:sldChg chg="addSp delSp modSp mod delAnim modAnim">
-        <pc:chgData name="Moraes,Marcia" userId="c9c67e8a-58e2-4733-9a1c-5d44fec4775b" providerId="ADAL" clId="{057A192D-E217-4164-97C0-EE4A75DF9C7B}" dt="2022-09-22T22:46:11.751" v="338"/>
-        <pc:sldMkLst>
-          <pc:docMk/>
-          <pc:sldMk cId="1172125351" sldId="288"/>
-        </pc:sldMkLst>
-        <pc:spChg chg="mod">
-          <ac:chgData name="Moraes,Marcia" userId="c9c67e8a-58e2-4733-9a1c-5d44fec4775b" providerId="ADAL" clId="{057A192D-E217-4164-97C0-EE4A75DF9C7B}" dt="2022-09-22T22:42:42.147" v="189" actId="1076"/>
-          <ac:spMkLst>
-            <pc:docMk/>
-            <pc:sldMk cId="1172125351" sldId="288"/>
-            <ac:spMk id="2" creationId="{6302E6FC-80C8-2F4C-A9F0-9B205434775A}"/>
-          </ac:spMkLst>
-        </pc:spChg>
-        <pc:spChg chg="del">
-          <ac:chgData name="Moraes,Marcia" userId="c9c67e8a-58e2-4733-9a1c-5d44fec4775b" providerId="ADAL" clId="{057A192D-E217-4164-97C0-EE4A75DF9C7B}" dt="2022-09-22T22:33:40.546" v="71" actId="478"/>
-          <ac:spMkLst>
-            <pc:docMk/>
-            <pc:sldMk cId="1172125351" sldId="288"/>
-            <ac:spMk id="3" creationId="{93E01694-2C32-BA4D-B6F8-4BE99716E841}"/>
-          </ac:spMkLst>
-        </pc:spChg>
-        <pc:spChg chg="add mod">
-          <ac:chgData name="Moraes,Marcia" userId="c9c67e8a-58e2-4733-9a1c-5d44fec4775b" providerId="ADAL" clId="{057A192D-E217-4164-97C0-EE4A75DF9C7B}" dt="2022-09-22T22:42:44.387" v="190" actId="1076"/>
-          <ac:spMkLst>
-            <pc:docMk/>
-            <pc:sldMk cId="1172125351" sldId="288"/>
-            <ac:spMk id="5" creationId="{1BFDE030-0ACD-16BE-CEF1-5F14C2BCFAF1}"/>
-          </ac:spMkLst>
-        </pc:spChg>
-        <pc:spChg chg="add del">
-          <ac:chgData name="Moraes,Marcia" userId="c9c67e8a-58e2-4733-9a1c-5d44fec4775b" providerId="ADAL" clId="{057A192D-E217-4164-97C0-EE4A75DF9C7B}" dt="2022-09-22T22:43:21.920" v="192" actId="478"/>
-          <ac:spMkLst>
-            <pc:docMk/>
-            <pc:sldMk cId="1172125351" sldId="288"/>
-            <ac:spMk id="6" creationId="{B574A494-F3B8-62A1-41DC-815C440F6AB6}"/>
-          </ac:spMkLst>
-        </pc:spChg>
-        <pc:spChg chg="del">
-          <ac:chgData name="Moraes,Marcia" userId="c9c67e8a-58e2-4733-9a1c-5d44fec4775b" providerId="ADAL" clId="{057A192D-E217-4164-97C0-EE4A75DF9C7B}" dt="2022-09-22T22:33:41.762" v="72" actId="478"/>
-          <ac:spMkLst>
-            <pc:docMk/>
-            <pc:sldMk cId="1172125351" sldId="288"/>
-            <ac:spMk id="7" creationId="{569BB329-A367-11F4-C3C7-96CEB776D7D7}"/>
-          </ac:spMkLst>
-        </pc:spChg>
-        <pc:spChg chg="del">
-          <ac:chgData name="Moraes,Marcia" userId="c9c67e8a-58e2-4733-9a1c-5d44fec4775b" providerId="ADAL" clId="{057A192D-E217-4164-97C0-EE4A75DF9C7B}" dt="2022-09-22T22:33:43.038" v="73" actId="478"/>
-          <ac:spMkLst>
-            <pc:docMk/>
-            <pc:sldMk cId="1172125351" sldId="288"/>
-            <ac:spMk id="8" creationId="{5F11F223-925B-47EE-3816-92E6F40C4460}"/>
-          </ac:spMkLst>
-        </pc:spChg>
-        <pc:spChg chg="del">
-          <ac:chgData name="Moraes,Marcia" userId="c9c67e8a-58e2-4733-9a1c-5d44fec4775b" providerId="ADAL" clId="{057A192D-E217-4164-97C0-EE4A75DF9C7B}" dt="2022-09-22T22:33:44.085" v="74" actId="478"/>
-          <ac:spMkLst>
-            <pc:docMk/>
-            <pc:sldMk cId="1172125351" sldId="288"/>
-            <ac:spMk id="9" creationId="{19568FDC-A5D1-04D0-825E-F9347122D6CF}"/>
-          </ac:spMkLst>
-        </pc:spChg>
-        <pc:spChg chg="add">
-          <ac:chgData name="Moraes,Marcia" userId="c9c67e8a-58e2-4733-9a1c-5d44fec4775b" providerId="ADAL" clId="{057A192D-E217-4164-97C0-EE4A75DF9C7B}" dt="2022-09-22T22:43:30.419" v="193" actId="11529"/>
-          <ac:spMkLst>
-            <pc:docMk/>
-            <pc:sldMk cId="1172125351" sldId="288"/>
-            <ac:spMk id="10" creationId="{7AED4DC1-F798-9EA2-E1D0-867A50BB2144}"/>
-          </ac:spMkLst>
-        </pc:spChg>
-        <pc:spChg chg="add mod">
-          <ac:chgData name="Moraes,Marcia" userId="c9c67e8a-58e2-4733-9a1c-5d44fec4775b" providerId="ADAL" clId="{057A192D-E217-4164-97C0-EE4A75DF9C7B}" dt="2022-09-22T22:44:12.162" v="263" actId="207"/>
-          <ac:spMkLst>
-            <pc:docMk/>
-            <pc:sldMk cId="1172125351" sldId="288"/>
-            <ac:spMk id="11" creationId="{88BEDFDE-0198-CDEB-E0EA-1AD1169AABE1}"/>
-          </ac:spMkLst>
-        </pc:spChg>
-        <pc:spChg chg="add del mod">
-          <ac:chgData name="Moraes,Marcia" userId="c9c67e8a-58e2-4733-9a1c-5d44fec4775b" providerId="ADAL" clId="{057A192D-E217-4164-97C0-EE4A75DF9C7B}" dt="2022-09-22T22:44:31.417" v="266" actId="478"/>
-          <ac:spMkLst>
-            <pc:docMk/>
-            <pc:sldMk cId="1172125351" sldId="288"/>
-            <ac:spMk id="12" creationId="{E71902DB-DF4C-C14A-1209-CCF691B6827D}"/>
-          </ac:spMkLst>
-        </pc:spChg>
-        <pc:spChg chg="add mod">
-          <ac:chgData name="Moraes,Marcia" userId="c9c67e8a-58e2-4733-9a1c-5d44fec4775b" providerId="ADAL" clId="{057A192D-E217-4164-97C0-EE4A75DF9C7B}" dt="2022-09-22T22:44:59.354" v="274" actId="1076"/>
-          <ac:spMkLst>
-            <pc:docMk/>
-            <pc:sldMk cId="1172125351" sldId="288"/>
-            <ac:spMk id="13" creationId="{FBEC7AFA-7C77-2662-3427-42D3BD07435D}"/>
-          </ac:spMkLst>
-        </pc:spChg>
-        <pc:spChg chg="add mod">
-          <ac:chgData name="Moraes,Marcia" userId="c9c67e8a-58e2-4733-9a1c-5d44fec4775b" providerId="ADAL" clId="{057A192D-E217-4164-97C0-EE4A75DF9C7B}" dt="2022-09-22T22:45:49.568" v="335" actId="20577"/>
-          <ac:spMkLst>
-            <pc:docMk/>
-            <pc:sldMk cId="1172125351" sldId="288"/>
-            <ac:spMk id="16" creationId="{1488004E-8403-60D7-4719-6BD8C01FFB75}"/>
-          </ac:spMkLst>
-        </pc:spChg>
-        <pc:cxnChg chg="add mod">
-          <ac:chgData name="Moraes,Marcia" userId="c9c67e8a-58e2-4733-9a1c-5d44fec4775b" providerId="ADAL" clId="{057A192D-E217-4164-97C0-EE4A75DF9C7B}" dt="2022-09-22T22:45:56.339" v="336" actId="14100"/>
-          <ac:cxnSpMkLst>
-            <pc:docMk/>
-            <pc:sldMk cId="1172125351" sldId="288"/>
-            <ac:cxnSpMk id="15" creationId="{EBBB888A-26D6-536D-C410-9191BB3D3DA0}"/>
-          </ac:cxnSpMkLst>
-        </pc:cxnChg>
-      </pc:sldChg>
-      <pc:sldChg chg="addSp delSp modSp mod">
-        <pc:chgData name="Moraes,Marcia" userId="c9c67e8a-58e2-4733-9a1c-5d44fec4775b" providerId="ADAL" clId="{057A192D-E217-4164-97C0-EE4A75DF9C7B}" dt="2022-09-22T22:57:15.371" v="423" actId="108"/>
-        <pc:sldMkLst>
-          <pc:docMk/>
-          <pc:sldMk cId="2447864037" sldId="289"/>
-        </pc:sldMkLst>
-        <pc:spChg chg="mod">
-          <ac:chgData name="Moraes,Marcia" userId="c9c67e8a-58e2-4733-9a1c-5d44fec4775b" providerId="ADAL" clId="{057A192D-E217-4164-97C0-EE4A75DF9C7B}" dt="2022-09-22T22:57:15.371" v="423" actId="108"/>
-          <ac:spMkLst>
-            <pc:docMk/>
-            <pc:sldMk cId="2447864037" sldId="289"/>
-            <ac:spMk id="2" creationId="{6302E6FC-80C8-2F4C-A9F0-9B205434775A}"/>
+            <pc:sldMk cId="2570581368" sldId="301"/>
+            <ac:spMk id="5" creationId="{C41A88B0-CF49-5149-8DBA-17B1BA803727}"/>
           </ac:spMkLst>
         </pc:spChg>
         <pc:spChg chg="mod">
-          <ac:chgData name="Moraes,Marcia" userId="c9c67e8a-58e2-4733-9a1c-5d44fec4775b" providerId="ADAL" clId="{057A192D-E217-4164-97C0-EE4A75DF9C7B}" dt="2022-09-22T22:56:24.986" v="422" actId="5793"/>
+          <ac:chgData name="Marcia Moraes" userId="c9c67e8a-58e2-4733-9a1c-5d44fec4775b" providerId="ADAL" clId="{1C161051-F305-44BC-8320-E52FAB7F9605}" dt="2023-02-20T00:56:24.239" v="101" actId="20577"/>
           <ac:spMkLst>
             <pc:docMk/>
-            <pc:sldMk cId="2447864037" sldId="289"/>
-            <ac:spMk id="3" creationId="{93E01694-2C32-BA4D-B6F8-4BE99716E841}"/>
-          </ac:spMkLst>
-        </pc:spChg>
-        <pc:spChg chg="add mod">
-          <ac:chgData name="Moraes,Marcia" userId="c9c67e8a-58e2-4733-9a1c-5d44fec4775b" providerId="ADAL" clId="{057A192D-E217-4164-97C0-EE4A75DF9C7B}" dt="2022-09-22T22:53:47.875" v="378" actId="21"/>
-          <ac:spMkLst>
-            <pc:docMk/>
-            <pc:sldMk cId="2447864037" sldId="289"/>
-            <ac:spMk id="4" creationId="{543F41C3-1126-5007-2448-50746912DDF1}"/>
-          </ac:spMkLst>
-        </pc:spChg>
-        <pc:picChg chg="del">
-          <ac:chgData name="Moraes,Marcia" userId="c9c67e8a-58e2-4733-9a1c-5d44fec4775b" providerId="ADAL" clId="{057A192D-E217-4164-97C0-EE4A75DF9C7B}" dt="2022-09-22T22:52:55.201" v="373" actId="478"/>
-          <ac:picMkLst>
-            <pc:docMk/>
-            <pc:sldMk cId="2447864037" sldId="289"/>
-            <ac:picMk id="5" creationId="{5B017D38-F454-2193-1F17-F41D865F6D91}"/>
-          </ac:picMkLst>
-        </pc:picChg>
-      </pc:sldChg>
-      <pc:sldChg chg="modSp mod">
-        <pc:chgData name="Moraes,Marcia" userId="c9c67e8a-58e2-4733-9a1c-5d44fec4775b" providerId="ADAL" clId="{057A192D-E217-4164-97C0-EE4A75DF9C7B}" dt="2022-09-22T22:59:05.345" v="455" actId="20577"/>
-        <pc:sldMkLst>
-          <pc:docMk/>
-          <pc:sldMk cId="63851387" sldId="290"/>
-        </pc:sldMkLst>
-        <pc:spChg chg="mod">
-          <ac:chgData name="Moraes,Marcia" userId="c9c67e8a-58e2-4733-9a1c-5d44fec4775b" providerId="ADAL" clId="{057A192D-E217-4164-97C0-EE4A75DF9C7B}" dt="2022-09-22T22:58:05.393" v="448" actId="20577"/>
-          <ac:spMkLst>
-            <pc:docMk/>
-            <pc:sldMk cId="63851387" sldId="290"/>
-            <ac:spMk id="2" creationId="{6302E6FC-80C8-2F4C-A9F0-9B205434775A}"/>
-          </ac:spMkLst>
-        </pc:spChg>
-        <pc:spChg chg="mod">
-          <ac:chgData name="Moraes,Marcia" userId="c9c67e8a-58e2-4733-9a1c-5d44fec4775b" providerId="ADAL" clId="{057A192D-E217-4164-97C0-EE4A75DF9C7B}" dt="2022-09-22T22:59:05.345" v="455" actId="20577"/>
-          <ac:spMkLst>
-            <pc:docMk/>
-            <pc:sldMk cId="63851387" sldId="290"/>
-            <ac:spMk id="7" creationId="{E62DAD61-1EDD-AAE4-CFAB-8C7E3A83E836}"/>
-          </ac:spMkLst>
-        </pc:spChg>
-      </pc:sldChg>
-      <pc:sldChg chg="addSp delSp modSp mod">
-        <pc:chgData name="Moraes,Marcia" userId="c9c67e8a-58e2-4733-9a1c-5d44fec4775b" providerId="ADAL" clId="{057A192D-E217-4164-97C0-EE4A75DF9C7B}" dt="2022-09-22T22:49:19.521" v="356" actId="1076"/>
-        <pc:sldMkLst>
-          <pc:docMk/>
-          <pc:sldMk cId="2583827647" sldId="291"/>
-        </pc:sldMkLst>
-        <pc:spChg chg="mod">
-          <ac:chgData name="Moraes,Marcia" userId="c9c67e8a-58e2-4733-9a1c-5d44fec4775b" providerId="ADAL" clId="{057A192D-E217-4164-97C0-EE4A75DF9C7B}" dt="2022-09-22T22:47:57.048" v="348" actId="20577"/>
-          <ac:spMkLst>
-            <pc:docMk/>
-            <pc:sldMk cId="2583827647" sldId="291"/>
-            <ac:spMk id="2" creationId="{6302E6FC-80C8-2F4C-A9F0-9B205434775A}"/>
-          </ac:spMkLst>
-        </pc:spChg>
-        <pc:spChg chg="add mod">
-          <ac:chgData name="Moraes,Marcia" userId="c9c67e8a-58e2-4733-9a1c-5d44fec4775b" providerId="ADAL" clId="{057A192D-E217-4164-97C0-EE4A75DF9C7B}" dt="2022-09-22T22:48:16.503" v="353" actId="12"/>
-          <ac:spMkLst>
-            <pc:docMk/>
-            <pc:sldMk cId="2583827647" sldId="291"/>
-            <ac:spMk id="4" creationId="{437AE17C-A5E4-3900-059D-6DE48F255D96}"/>
-          </ac:spMkLst>
-        </pc:spChg>
-        <pc:picChg chg="add mod">
-          <ac:chgData name="Moraes,Marcia" userId="c9c67e8a-58e2-4733-9a1c-5d44fec4775b" providerId="ADAL" clId="{057A192D-E217-4164-97C0-EE4A75DF9C7B}" dt="2022-09-22T22:49:19.521" v="356" actId="1076"/>
-          <ac:picMkLst>
-            <pc:docMk/>
-            <pc:sldMk cId="2583827647" sldId="291"/>
-            <ac:picMk id="6" creationId="{841B7929-7D4E-4EA9-3CF4-A280574C0A8F}"/>
-          </ac:picMkLst>
-        </pc:picChg>
-        <pc:picChg chg="del">
-          <ac:chgData name="Moraes,Marcia" userId="c9c67e8a-58e2-4733-9a1c-5d44fec4775b" providerId="ADAL" clId="{057A192D-E217-4164-97C0-EE4A75DF9C7B}" dt="2022-09-22T22:47:58.903" v="349" actId="478"/>
-          <ac:picMkLst>
-            <pc:docMk/>
-            <pc:sldMk cId="2583827647" sldId="291"/>
-            <ac:picMk id="7" creationId="{FCAB0652-5C28-DC26-A7A7-1C2EB7BED59A}"/>
-          </ac:picMkLst>
-        </pc:picChg>
-      </pc:sldChg>
-      <pc:sldChg chg="addSp delSp modSp mod modAnim">
-        <pc:chgData name="Moraes,Marcia" userId="c9c67e8a-58e2-4733-9a1c-5d44fec4775b" providerId="ADAL" clId="{057A192D-E217-4164-97C0-EE4A75DF9C7B}" dt="2022-09-22T23:07:26.287" v="567"/>
-        <pc:sldMkLst>
-          <pc:docMk/>
-          <pc:sldMk cId="504985521" sldId="292"/>
-        </pc:sldMkLst>
-        <pc:spChg chg="mod">
-          <ac:chgData name="Moraes,Marcia" userId="c9c67e8a-58e2-4733-9a1c-5d44fec4775b" providerId="ADAL" clId="{057A192D-E217-4164-97C0-EE4A75DF9C7B}" dt="2022-09-22T23:02:17.940" v="458"/>
-          <ac:spMkLst>
-            <pc:docMk/>
-            <pc:sldMk cId="504985521" sldId="292"/>
-            <ac:spMk id="2" creationId="{6302E6FC-80C8-2F4C-A9F0-9B205434775A}"/>
-          </ac:spMkLst>
-        </pc:spChg>
-        <pc:spChg chg="add mod">
-          <ac:chgData name="Moraes,Marcia" userId="c9c67e8a-58e2-4733-9a1c-5d44fec4775b" providerId="ADAL" clId="{057A192D-E217-4164-97C0-EE4A75DF9C7B}" dt="2022-09-22T23:03:14.394" v="467" actId="255"/>
-          <ac:spMkLst>
-            <pc:docMk/>
-            <pc:sldMk cId="504985521" sldId="292"/>
-            <ac:spMk id="4" creationId="{53EEBA8D-C5C2-561A-3270-0E4F8F5C1B85}"/>
-          </ac:spMkLst>
-        </pc:spChg>
-        <pc:spChg chg="add mod">
-          <ac:chgData name="Moraes,Marcia" userId="c9c67e8a-58e2-4733-9a1c-5d44fec4775b" providerId="ADAL" clId="{057A192D-E217-4164-97C0-EE4A75DF9C7B}" dt="2022-09-22T23:07:12.635" v="566" actId="1076"/>
-          <ac:spMkLst>
-            <pc:docMk/>
-            <pc:sldMk cId="504985521" sldId="292"/>
-            <ac:spMk id="9" creationId="{10D3628B-7263-9617-5164-14C03842FC91}"/>
-          </ac:spMkLst>
-        </pc:spChg>
-        <pc:picChg chg="del">
-          <ac:chgData name="Moraes,Marcia" userId="c9c67e8a-58e2-4733-9a1c-5d44fec4775b" providerId="ADAL" clId="{057A192D-E217-4164-97C0-EE4A75DF9C7B}" dt="2022-09-22T23:02:06.473" v="456" actId="478"/>
-          <ac:picMkLst>
-            <pc:docMk/>
-            <pc:sldMk cId="504985521" sldId="292"/>
-            <ac:picMk id="8" creationId="{D38F8637-16C8-70D1-4CE9-DB1585F92ED6}"/>
-          </ac:picMkLst>
-        </pc:picChg>
-        <pc:cxnChg chg="add mod">
-          <ac:chgData name="Moraes,Marcia" userId="c9c67e8a-58e2-4733-9a1c-5d44fec4775b" providerId="ADAL" clId="{057A192D-E217-4164-97C0-EE4A75DF9C7B}" dt="2022-09-22T23:06:53.967" v="552" actId="14100"/>
-          <ac:cxnSpMkLst>
-            <pc:docMk/>
-            <pc:sldMk cId="504985521" sldId="292"/>
-            <ac:cxnSpMk id="6" creationId="{17EFBD9F-6C45-281D-4CBD-436C43D967EB}"/>
-          </ac:cxnSpMkLst>
-        </pc:cxnChg>
-      </pc:sldChg>
-      <pc:sldChg chg="del">
-        <pc:chgData name="Moraes,Marcia" userId="c9c67e8a-58e2-4733-9a1c-5d44fec4775b" providerId="ADAL" clId="{057A192D-E217-4164-97C0-EE4A75DF9C7B}" dt="2022-09-22T23:04:46.703" v="468" actId="47"/>
-        <pc:sldMkLst>
-          <pc:docMk/>
-          <pc:sldMk cId="858956034" sldId="293"/>
-        </pc:sldMkLst>
-      </pc:sldChg>
-      <pc:sldChg chg="del">
-        <pc:chgData name="Moraes,Marcia" userId="c9c67e8a-58e2-4733-9a1c-5d44fec4775b" providerId="ADAL" clId="{057A192D-E217-4164-97C0-EE4A75DF9C7B}" dt="2022-09-22T23:04:49.814" v="469" actId="47"/>
-        <pc:sldMkLst>
-          <pc:docMk/>
-          <pc:sldMk cId="527131478" sldId="294"/>
-        </pc:sldMkLst>
-      </pc:sldChg>
-      <pc:sldChg chg="del">
-        <pc:chgData name="Moraes,Marcia" userId="c9c67e8a-58e2-4733-9a1c-5d44fec4775b" providerId="ADAL" clId="{057A192D-E217-4164-97C0-EE4A75DF9C7B}" dt="2022-09-22T23:04:51.158" v="470" actId="47"/>
-        <pc:sldMkLst>
-          <pc:docMk/>
-          <pc:sldMk cId="1684470190" sldId="296"/>
-        </pc:sldMkLst>
-      </pc:sldChg>
-      <pc:sldChg chg="del">
-        <pc:chgData name="Moraes,Marcia" userId="c9c67e8a-58e2-4733-9a1c-5d44fec4775b" providerId="ADAL" clId="{057A192D-E217-4164-97C0-EE4A75DF9C7B}" dt="2022-09-22T23:08:23.965" v="568" actId="47"/>
-        <pc:sldMkLst>
-          <pc:docMk/>
-          <pc:sldMk cId="2032096474" sldId="298"/>
-        </pc:sldMkLst>
-      </pc:sldChg>
-      <pc:sldChg chg="delSp modSp mod">
-        <pc:chgData name="Moraes,Marcia" userId="c9c67e8a-58e2-4733-9a1c-5d44fec4775b" providerId="ADAL" clId="{057A192D-E217-4164-97C0-EE4A75DF9C7B}" dt="2022-09-22T23:31:23.807" v="1575" actId="20577"/>
-        <pc:sldMkLst>
-          <pc:docMk/>
-          <pc:sldMk cId="1881057471" sldId="299"/>
-        </pc:sldMkLst>
-        <pc:spChg chg="mod">
-          <ac:chgData name="Moraes,Marcia" userId="c9c67e8a-58e2-4733-9a1c-5d44fec4775b" providerId="ADAL" clId="{057A192D-E217-4164-97C0-EE4A75DF9C7B}" dt="2022-09-22T23:31:23.807" v="1575" actId="20577"/>
-          <ac:spMkLst>
-            <pc:docMk/>
-            <pc:sldMk cId="1881057471" sldId="299"/>
-            <ac:spMk id="3" creationId="{AA3AC9A6-F14C-028B-44F0-F2F465A1F04E}"/>
-          </ac:spMkLst>
-        </pc:spChg>
-        <pc:picChg chg="del">
-          <ac:chgData name="Moraes,Marcia" userId="c9c67e8a-58e2-4733-9a1c-5d44fec4775b" providerId="ADAL" clId="{057A192D-E217-4164-97C0-EE4A75DF9C7B}" dt="2022-09-22T23:25:51.496" v="569" actId="478"/>
-          <ac:picMkLst>
-            <pc:docMk/>
-            <pc:sldMk cId="1881057471" sldId="299"/>
-            <ac:picMk id="5" creationId="{530245BA-7C77-BBAE-E798-647D13B273BC}"/>
-          </ac:picMkLst>
-        </pc:picChg>
-      </pc:sldChg>
-      <pc:sldChg chg="modSp add mod">
-        <pc:chgData name="Moraes,Marcia" userId="c9c67e8a-58e2-4733-9a1c-5d44fec4775b" providerId="ADAL" clId="{057A192D-E217-4164-97C0-EE4A75DF9C7B}" dt="2022-09-22T23:31:58.003" v="1673"/>
-        <pc:sldMkLst>
-          <pc:docMk/>
-          <pc:sldMk cId="2959020408" sldId="300"/>
-        </pc:sldMkLst>
-        <pc:spChg chg="mod">
-          <ac:chgData name="Moraes,Marcia" userId="c9c67e8a-58e2-4733-9a1c-5d44fec4775b" providerId="ADAL" clId="{057A192D-E217-4164-97C0-EE4A75DF9C7B}" dt="2022-09-22T23:31:58.003" v="1673"/>
-          <ac:spMkLst>
-            <pc:docMk/>
-            <pc:sldMk cId="2959020408" sldId="300"/>
-            <ac:spMk id="3" creationId="{AA3AC9A6-F14C-028B-44F0-F2F465A1F04E}"/>
+            <pc:sldMk cId="2570581368" sldId="301"/>
+            <ac:spMk id="7" creationId="{F1F79DD2-1F3F-234C-A44A-3A87D436D29A}"/>
           </ac:spMkLst>
         </pc:spChg>
       </pc:sldChg>
@@ -19644,6 +19292,140 @@
 </p:sld>
 </file>
 
+<file path=ppt/slides/slide10.xml><?xml version="1.0" encoding="utf-8"?>
+<p:sld xmlns:a="http://schemas.openxmlformats.org/drawingml/2006/main" xmlns:r="http://schemas.openxmlformats.org/officeDocument/2006/relationships" xmlns:p="http://schemas.openxmlformats.org/presentationml/2006/main">
+  <p:cSld>
+    <p:spTree>
+      <p:nvGrpSpPr>
+        <p:cNvPr id="1" name=""/>
+        <p:cNvGrpSpPr/>
+        <p:nvPr/>
+      </p:nvGrpSpPr>
+      <p:grpSpPr>
+        <a:xfrm>
+          <a:off x="0" y="0"/>
+          <a:ext cx="0" cy="0"/>
+          <a:chOff x="0" y="0"/>
+          <a:chExt cx="0" cy="0"/>
+        </a:xfrm>
+      </p:grpSpPr>
+      <p:sp>
+        <p:nvSpPr>
+          <p:cNvPr id="2" name="Title 1">
+            <a:extLst>
+              <a:ext uri="{FF2B5EF4-FFF2-40B4-BE49-F238E27FC236}">
+                <a16:creationId xmlns:a16="http://schemas.microsoft.com/office/drawing/2014/main" id="{6302E6FC-80C8-2F4C-A9F0-9B205434775A}"/>
+              </a:ext>
+            </a:extLst>
+          </p:cNvPr>
+          <p:cNvSpPr>
+            <a:spLocks noGrp="1"/>
+          </p:cNvSpPr>
+          <p:nvPr>
+            <p:ph type="title"/>
+          </p:nvPr>
+        </p:nvSpPr>
+        <p:spPr>
+          <a:xfrm>
+            <a:off x="415637" y="228600"/>
+            <a:ext cx="8312726" cy="734688"/>
+          </a:xfrm>
+        </p:spPr>
+        <p:txBody>
+          <a:bodyPr/>
+          <a:lstStyle/>
+          <a:p>
+            <a:r>
+              <a:rPr lang="en-US" dirty="0"/>
+              <a:t>Coding Activity</a:t>
+            </a:r>
+            <a:endParaRPr lang="en-US" sz="2800" dirty="0"/>
+          </a:p>
+        </p:txBody>
+      </p:sp>
+      <p:sp>
+        <p:nvSpPr>
+          <p:cNvPr id="3" name="Text Placeholder 2">
+            <a:extLst>
+              <a:ext uri="{FF2B5EF4-FFF2-40B4-BE49-F238E27FC236}">
+                <a16:creationId xmlns:a16="http://schemas.microsoft.com/office/drawing/2014/main" id="{AA3AC9A6-F14C-028B-44F0-F2F465A1F04E}"/>
+              </a:ext>
+            </a:extLst>
+          </p:cNvPr>
+          <p:cNvSpPr>
+            <a:spLocks noGrp="1"/>
+          </p:cNvSpPr>
+          <p:nvPr>
+            <p:ph type="body" sz="quarter" idx="10"/>
+          </p:nvPr>
+        </p:nvSpPr>
+        <p:spPr>
+          <a:xfrm>
+            <a:off x="415637" y="963289"/>
+            <a:ext cx="8130052" cy="3529428"/>
+          </a:xfrm>
+        </p:spPr>
+        <p:txBody>
+          <a:bodyPr/>
+          <a:lstStyle/>
+          <a:p>
+            <a:pPr>
+              <a:buClrTx/>
+            </a:pPr>
+            <a:r>
+              <a:rPr lang="en-US" sz="1800" dirty="0"/>
+              <a:t>With a Peer:</a:t>
+            </a:r>
+          </a:p>
+          <a:p>
+            <a:pPr lvl="1"/>
+            <a:r>
+              <a:rPr lang="en-US" sz="1668" dirty="0"/>
+              <a:t>Write a Python function that receives a list as a parameter and calculates and returns the number of positive, negative, and zeros in that list. Remember that in order to return more that one value, you need to return a tuple.</a:t>
+            </a:r>
+          </a:p>
+          <a:p>
+            <a:pPr lvl="1"/>
+            <a:r>
+              <a:rPr lang="en-US" sz="1800" dirty="0"/>
+              <a:t>Write a Python function that receives a list as a parameter and generates and return two lists, one containing the even values and the other containing the odd values from the original list. </a:t>
+            </a:r>
+            <a:r>
+              <a:rPr lang="en-US" sz="1800"/>
+              <a:t>Remember that in order to return more that one value, you need to return a tuple.</a:t>
+            </a:r>
+          </a:p>
+          <a:p>
+            <a:pPr lvl="1"/>
+            <a:endParaRPr lang="en-US" sz="1800" dirty="0"/>
+          </a:p>
+        </p:txBody>
+      </p:sp>
+    </p:spTree>
+    <p:extLst>
+      <p:ext uri="{BB962C8B-B14F-4D97-AF65-F5344CB8AC3E}">
+        <p14:creationId xmlns:p14="http://schemas.microsoft.com/office/powerpoint/2010/main" val="2959020408"/>
+      </p:ext>
+    </p:extLst>
+  </p:cSld>
+  <p:clrMapOvr>
+    <a:masterClrMapping/>
+  </p:clrMapOvr>
+  <mc:AlternateContent xmlns:mc="http://schemas.openxmlformats.org/markup-compatibility/2006" xmlns:p14="http://schemas.microsoft.com/office/powerpoint/2010/main">
+    <mc:Choice Requires="p14">
+      <p:transition p14:dur="300">
+        <p:fade/>
+      </p:transition>
+    </mc:Choice>
+    <mc:Fallback xmlns="">
+      <p:transition>
+        <p:fade/>
+      </p:transition>
+    </mc:Fallback>
+  </mc:AlternateContent>
+</p:sld>
+</file>
+
 <file path=ppt/slides/slide2.xml><?xml version="1.0" encoding="utf-8"?>
 <p:sld xmlns:a="http://schemas.openxmlformats.org/drawingml/2006/main" xmlns:r="http://schemas.openxmlformats.org/officeDocument/2006/relationships" xmlns:p="http://schemas.openxmlformats.org/presentationml/2006/main">
   <p:cSld>
@@ -19858,6 +19640,177 @@
 </file>
 
 <file path=ppt/slides/slide3.xml><?xml version="1.0" encoding="utf-8"?>
+<p:sld xmlns:a="http://schemas.openxmlformats.org/drawingml/2006/main" xmlns:r="http://schemas.openxmlformats.org/officeDocument/2006/relationships" xmlns:p="http://schemas.openxmlformats.org/presentationml/2006/main">
+  <p:cSld>
+    <p:spTree>
+      <p:nvGrpSpPr>
+        <p:cNvPr id="1" name=""/>
+        <p:cNvGrpSpPr/>
+        <p:nvPr/>
+      </p:nvGrpSpPr>
+      <p:grpSpPr>
+        <a:xfrm>
+          <a:off x="0" y="0"/>
+          <a:ext cx="0" cy="0"/>
+          <a:chOff x="0" y="0"/>
+          <a:chExt cx="0" cy="0"/>
+        </a:xfrm>
+      </p:grpSpPr>
+      <p:sp>
+        <p:nvSpPr>
+          <p:cNvPr id="5" name="Title 4">
+            <a:extLst>
+              <a:ext uri="{FF2B5EF4-FFF2-40B4-BE49-F238E27FC236}">
+                <a16:creationId xmlns:a16="http://schemas.microsoft.com/office/drawing/2014/main" id="{C41A88B0-CF49-5149-8DBA-17B1BA803727}"/>
+              </a:ext>
+            </a:extLst>
+          </p:cNvPr>
+          <p:cNvSpPr>
+            <a:spLocks noGrp="1"/>
+          </p:cNvSpPr>
+          <p:nvPr>
+            <p:ph type="title"/>
+          </p:nvPr>
+        </p:nvSpPr>
+        <p:spPr>
+          <a:xfrm>
+            <a:off x="179155" y="336084"/>
+            <a:ext cx="8312700" cy="672000"/>
+          </a:xfrm>
+        </p:spPr>
+        <p:txBody>
+          <a:bodyPr/>
+          <a:lstStyle/>
+          <a:p>
+            <a:r>
+              <a:rPr lang="en-US" dirty="0"/>
+              <a:t>Recall Activity</a:t>
+            </a:r>
+          </a:p>
+        </p:txBody>
+      </p:sp>
+      <p:sp>
+        <p:nvSpPr>
+          <p:cNvPr id="7" name="TextBox 6">
+            <a:extLst>
+              <a:ext uri="{FF2B5EF4-FFF2-40B4-BE49-F238E27FC236}">
+                <a16:creationId xmlns:a16="http://schemas.microsoft.com/office/drawing/2014/main" id="{F1F79DD2-1F3F-234C-A44A-3A87D436D29A}"/>
+              </a:ext>
+            </a:extLst>
+          </p:cNvPr>
+          <p:cNvSpPr txBox="1"/>
+          <p:nvPr/>
+        </p:nvSpPr>
+        <p:spPr>
+          <a:xfrm>
+            <a:off x="476335" y="1245870"/>
+            <a:ext cx="5551932" cy="954107"/>
+          </a:xfrm>
+          <a:prstGeom prst="rect">
+            <a:avLst/>
+          </a:prstGeom>
+          <a:noFill/>
+        </p:spPr>
+        <p:txBody>
+          <a:bodyPr wrap="square" rtlCol="0">
+            <a:spAutoFit/>
+          </a:bodyPr>
+          <a:lstStyle/>
+          <a:p>
+            <a:pPr>
+              <a:buClrTx/>
+            </a:pPr>
+            <a:r>
+              <a:rPr lang="en-US" dirty="0"/>
+              <a:t>What is the difference between local variables and </a:t>
+            </a:r>
+            <a:r>
+              <a:rPr lang="en-US"/>
+              <a:t>global variables? </a:t>
+            </a:r>
+            <a:r>
+              <a:rPr lang="en-US" dirty="0"/>
+              <a:t>Explain with your own words.</a:t>
+            </a:r>
+          </a:p>
+          <a:p>
+            <a:pPr>
+              <a:buClrTx/>
+            </a:pPr>
+            <a:endParaRPr lang="en-US" dirty="0"/>
+          </a:p>
+          <a:p>
+            <a:r>
+              <a:rPr lang="en-US" dirty="0"/>
+              <a:t>Have this written in a paper, you will turn in at the end of the class.</a:t>
+            </a:r>
+          </a:p>
+        </p:txBody>
+      </p:sp>
+      <p:pic>
+        <p:nvPicPr>
+          <p:cNvPr id="1026" name="Picture 2" descr="Persistence is everything - Optimus Learning Services">
+            <a:extLst>
+              <a:ext uri="{FF2B5EF4-FFF2-40B4-BE49-F238E27FC236}">
+                <a16:creationId xmlns:a16="http://schemas.microsoft.com/office/drawing/2014/main" id="{D4B45D9E-A747-4DDA-B821-5624463E5D35}"/>
+              </a:ext>
+            </a:extLst>
+          </p:cNvPr>
+          <p:cNvPicPr>
+            <a:picLocks noChangeAspect="1" noChangeArrowheads="1"/>
+          </p:cNvPicPr>
+          <p:nvPr/>
+        </p:nvPicPr>
+        <p:blipFill>
+          <a:blip r:embed="rId2">
+            <a:extLst>
+              <a:ext uri="{28A0092B-C50C-407E-A947-70E740481C1C}">
+                <a14:useLocalDpi xmlns:a14="http://schemas.microsoft.com/office/drawing/2010/main" val="0"/>
+              </a:ext>
+            </a:extLst>
+          </a:blip>
+          <a:srcRect/>
+          <a:stretch>
+            <a:fillRect/>
+          </a:stretch>
+        </p:blipFill>
+        <p:spPr bwMode="auto">
+          <a:xfrm>
+            <a:off x="6750756" y="0"/>
+            <a:ext cx="2393244" cy="2447146"/>
+          </a:xfrm>
+          <a:prstGeom prst="rect">
+            <a:avLst/>
+          </a:prstGeom>
+          <a:noFill/>
+          <a:extLst>
+            <a:ext uri="{909E8E84-426E-40DD-AFC4-6F175D3DCCD1}">
+              <a14:hiddenFill xmlns:a14="http://schemas.microsoft.com/office/drawing/2010/main">
+                <a:solidFill>
+                  <a:srgbClr val="FFFFFF"/>
+                </a:solidFill>
+              </a14:hiddenFill>
+            </a:ext>
+          </a:extLst>
+        </p:spPr>
+      </p:pic>
+    </p:spTree>
+    <p:extLst>
+      <p:ext uri="{BB962C8B-B14F-4D97-AF65-F5344CB8AC3E}">
+        <p14:creationId xmlns:p14="http://schemas.microsoft.com/office/powerpoint/2010/main" val="2570581368"/>
+      </p:ext>
+    </p:extLst>
+  </p:cSld>
+  <p:clrMapOvr>
+    <a:masterClrMapping/>
+  </p:clrMapOvr>
+  <p:transition>
+    <p:fade/>
+  </p:transition>
+</p:sld>
+</file>
+
+<file path=ppt/slides/slide4.xml><?xml version="1.0" encoding="utf-8"?>
 <p:sld xmlns:a="http://schemas.openxmlformats.org/drawingml/2006/main" xmlns:r="http://schemas.openxmlformats.org/officeDocument/2006/relationships" xmlns:p="http://schemas.openxmlformats.org/presentationml/2006/main">
   <p:cSld>
     <p:spTree>
@@ -20554,7 +20507,7 @@
 </p:sld>
 </file>
 
-<file path=ppt/slides/slide4.xml><?xml version="1.0" encoding="utf-8"?>
+<file path=ppt/slides/slide5.xml><?xml version="1.0" encoding="utf-8"?>
 <p:sld xmlns:a="http://schemas.openxmlformats.org/drawingml/2006/main" xmlns:r="http://schemas.openxmlformats.org/officeDocument/2006/relationships" xmlns:p="http://schemas.openxmlformats.org/presentationml/2006/main">
   <p:cSld>
     <p:spTree>
@@ -20704,7 +20657,7 @@
 </p:sld>
 </file>
 
-<file path=ppt/slides/slide5.xml><?xml version="1.0" encoding="utf-8"?>
+<file path=ppt/slides/slide6.xml><?xml version="1.0" encoding="utf-8"?>
 <p:sld xmlns:a="http://schemas.openxmlformats.org/drawingml/2006/main" xmlns:r="http://schemas.openxmlformats.org/officeDocument/2006/relationships" xmlns:p="http://schemas.openxmlformats.org/presentationml/2006/main">
   <p:cSld>
     <p:spTree>
@@ -20993,7 +20946,7 @@
 </p:sld>
 </file>
 
-<file path=ppt/slides/slide6.xml><?xml version="1.0" encoding="utf-8"?>
+<file path=ppt/slides/slide7.xml><?xml version="1.0" encoding="utf-8"?>
 <p:sld xmlns:a="http://schemas.openxmlformats.org/drawingml/2006/main" xmlns:r="http://schemas.openxmlformats.org/officeDocument/2006/relationships" xmlns:p="http://schemas.openxmlformats.org/presentationml/2006/main">
   <p:cSld>
     <p:spTree>
@@ -21286,7 +21239,7 @@
 </p:sld>
 </file>
 
-<file path=ppt/slides/slide7.xml><?xml version="1.0" encoding="utf-8"?>
+<file path=ppt/slides/slide8.xml><?xml version="1.0" encoding="utf-8"?>
 <p:sld xmlns:a="http://schemas.openxmlformats.org/drawingml/2006/main" xmlns:r="http://schemas.openxmlformats.org/officeDocument/2006/relationships" xmlns:p="http://schemas.openxmlformats.org/presentationml/2006/main">
   <p:cSld>
     <p:spTree>
@@ -21831,7 +21784,7 @@
 </p:sld>
 </file>
 
-<file path=ppt/slides/slide8.xml><?xml version="1.0" encoding="utf-8"?>
+<file path=ppt/slides/slide9.xml><?xml version="1.0" encoding="utf-8"?>
 <p:sld xmlns:a="http://schemas.openxmlformats.org/drawingml/2006/main" xmlns:r="http://schemas.openxmlformats.org/officeDocument/2006/relationships" xmlns:p="http://schemas.openxmlformats.org/presentationml/2006/main">
   <p:cSld>
     <p:spTree>
@@ -21957,140 +21910,6 @@
     <p:extLst>
       <p:ext uri="{BB962C8B-B14F-4D97-AF65-F5344CB8AC3E}">
         <p14:creationId xmlns:p14="http://schemas.microsoft.com/office/powerpoint/2010/main" val="1881057471"/>
-      </p:ext>
-    </p:extLst>
-  </p:cSld>
-  <p:clrMapOvr>
-    <a:masterClrMapping/>
-  </p:clrMapOvr>
-  <mc:AlternateContent xmlns:mc="http://schemas.openxmlformats.org/markup-compatibility/2006" xmlns:p14="http://schemas.microsoft.com/office/powerpoint/2010/main">
-    <mc:Choice Requires="p14">
-      <p:transition p14:dur="300">
-        <p:fade/>
-      </p:transition>
-    </mc:Choice>
-    <mc:Fallback xmlns="">
-      <p:transition>
-        <p:fade/>
-      </p:transition>
-    </mc:Fallback>
-  </mc:AlternateContent>
-</p:sld>
-</file>
-
-<file path=ppt/slides/slide9.xml><?xml version="1.0" encoding="utf-8"?>
-<p:sld xmlns:a="http://schemas.openxmlformats.org/drawingml/2006/main" xmlns:r="http://schemas.openxmlformats.org/officeDocument/2006/relationships" xmlns:p="http://schemas.openxmlformats.org/presentationml/2006/main">
-  <p:cSld>
-    <p:spTree>
-      <p:nvGrpSpPr>
-        <p:cNvPr id="1" name=""/>
-        <p:cNvGrpSpPr/>
-        <p:nvPr/>
-      </p:nvGrpSpPr>
-      <p:grpSpPr>
-        <a:xfrm>
-          <a:off x="0" y="0"/>
-          <a:ext cx="0" cy="0"/>
-          <a:chOff x="0" y="0"/>
-          <a:chExt cx="0" cy="0"/>
-        </a:xfrm>
-      </p:grpSpPr>
-      <p:sp>
-        <p:nvSpPr>
-          <p:cNvPr id="2" name="Title 1">
-            <a:extLst>
-              <a:ext uri="{FF2B5EF4-FFF2-40B4-BE49-F238E27FC236}">
-                <a16:creationId xmlns:a16="http://schemas.microsoft.com/office/drawing/2014/main" id="{6302E6FC-80C8-2F4C-A9F0-9B205434775A}"/>
-              </a:ext>
-            </a:extLst>
-          </p:cNvPr>
-          <p:cNvSpPr>
-            <a:spLocks noGrp="1"/>
-          </p:cNvSpPr>
-          <p:nvPr>
-            <p:ph type="title"/>
-          </p:nvPr>
-        </p:nvSpPr>
-        <p:spPr>
-          <a:xfrm>
-            <a:off x="415637" y="228600"/>
-            <a:ext cx="8312726" cy="734688"/>
-          </a:xfrm>
-        </p:spPr>
-        <p:txBody>
-          <a:bodyPr/>
-          <a:lstStyle/>
-          <a:p>
-            <a:r>
-              <a:rPr lang="en-US" dirty="0"/>
-              <a:t>Coding Activity</a:t>
-            </a:r>
-            <a:endParaRPr lang="en-US" sz="2800" dirty="0"/>
-          </a:p>
-        </p:txBody>
-      </p:sp>
-      <p:sp>
-        <p:nvSpPr>
-          <p:cNvPr id="3" name="Text Placeholder 2">
-            <a:extLst>
-              <a:ext uri="{FF2B5EF4-FFF2-40B4-BE49-F238E27FC236}">
-                <a16:creationId xmlns:a16="http://schemas.microsoft.com/office/drawing/2014/main" id="{AA3AC9A6-F14C-028B-44F0-F2F465A1F04E}"/>
-              </a:ext>
-            </a:extLst>
-          </p:cNvPr>
-          <p:cNvSpPr>
-            <a:spLocks noGrp="1"/>
-          </p:cNvSpPr>
-          <p:nvPr>
-            <p:ph type="body" sz="quarter" idx="10"/>
-          </p:nvPr>
-        </p:nvSpPr>
-        <p:spPr>
-          <a:xfrm>
-            <a:off x="415637" y="963289"/>
-            <a:ext cx="8130052" cy="3529428"/>
-          </a:xfrm>
-        </p:spPr>
-        <p:txBody>
-          <a:bodyPr/>
-          <a:lstStyle/>
-          <a:p>
-            <a:pPr>
-              <a:buClrTx/>
-            </a:pPr>
-            <a:r>
-              <a:rPr lang="en-US" sz="1800" dirty="0"/>
-              <a:t>With a Peer:</a:t>
-            </a:r>
-          </a:p>
-          <a:p>
-            <a:pPr lvl="1"/>
-            <a:r>
-              <a:rPr lang="en-US" sz="1668" dirty="0"/>
-              <a:t>Write a Python function that receives a list as a parameter and calculates and returns the number of positive, negative, and zeros in that list. Remember that in order to return more that one value, you need to return a tuple.</a:t>
-            </a:r>
-          </a:p>
-          <a:p>
-            <a:pPr lvl="1"/>
-            <a:r>
-              <a:rPr lang="en-US" sz="1800" dirty="0"/>
-              <a:t>Write a Python function that receives a list as a parameter and generates and return two lists, one containing the even values and the other containing the odd values from the original list. </a:t>
-            </a:r>
-            <a:r>
-              <a:rPr lang="en-US" sz="1800"/>
-              <a:t>Remember that in order to return more that one value, you need to return a tuple.</a:t>
-            </a:r>
-          </a:p>
-          <a:p>
-            <a:pPr lvl="1"/>
-            <a:endParaRPr lang="en-US" sz="1800" dirty="0"/>
-          </a:p>
-        </p:txBody>
-      </p:sp>
-    </p:spTree>
-    <p:extLst>
-      <p:ext uri="{BB962C8B-B14F-4D97-AF65-F5344CB8AC3E}">
-        <p14:creationId xmlns:p14="http://schemas.microsoft.com/office/powerpoint/2010/main" val="2959020408"/>
       </p:ext>
     </p:extLst>
   </p:cSld>
@@ -23022,6 +22841,15 @@
 </file>
 
 <file path=customXml/item2.xml><?xml version="1.0" encoding="utf-8"?>
+<?mso-contentType ?>
+<FormTemplates xmlns="http://schemas.microsoft.com/sharepoint/v3/contenttype/forms">
+  <Display>DocumentLibraryForm</Display>
+  <Edit>DocumentLibraryForm</Edit>
+  <New>DocumentLibraryForm</New>
+</FormTemplates>
+</file>
+
+<file path=customXml/item3.xml><?xml version="1.0" encoding="utf-8"?>
 <ct:contentTypeSchema xmlns:ct="http://schemas.microsoft.com/office/2006/metadata/contentType" xmlns:ma="http://schemas.microsoft.com/office/2006/metadata/properties/metaAttributes" ct:_="" ma:_="" ma:contentTypeName="Document" ma:contentTypeID="0x010100074387D78AC76C4289401EF66FB51FCC" ma:contentTypeVersion="14" ma:contentTypeDescription="Create a new document." ma:contentTypeScope="" ma:versionID="16aa88660fc2fdca5573e381835fe0c9">
   <xsd:schema xmlns:xsd="http://www.w3.org/2001/XMLSchema" xmlns:xs="http://www.w3.org/2001/XMLSchema" xmlns:p="http://schemas.microsoft.com/office/2006/metadata/properties" xmlns:ns3="92c41bee-f0ee-4aa6-9399-a35fbb883510" xmlns:ns4="e06ed288-fd75-4b50-bbed-f5a5df88c31c" targetNamespace="http://schemas.microsoft.com/office/2006/metadata/properties" ma:root="true" ma:fieldsID="d08ce21c39dd96af8dcee1a6fd74aaf6" ns3:_="" ns4:_="">
     <xsd:import namespace="92c41bee-f0ee-4aa6-9399-a35fbb883510"/>
@@ -23250,33 +23078,32 @@
 </ct:contentTypeSchema>
 </file>
 
-<file path=customXml/item3.xml><?xml version="1.0" encoding="utf-8"?>
-<?mso-contentType ?>
-<FormTemplates xmlns="http://schemas.microsoft.com/sharepoint/v3/contenttype/forms">
-  <Display>DocumentLibraryForm</Display>
-  <Edit>DocumentLibraryForm</Edit>
-  <New>DocumentLibraryForm</New>
-</FormTemplates>
-</file>
-
 <file path=customXml/itemProps1.xml><?xml version="1.0" encoding="utf-8"?>
 <ds:datastoreItem xmlns:ds="http://schemas.openxmlformats.org/officeDocument/2006/customXml" ds:itemID="{05D3EE4C-68D3-4BA3-94E6-383E2DFDD168}">
   <ds:schemaRefs>
+    <ds:schemaRef ds:uri="http://purl.org/dc/elements/1.1/"/>
+    <ds:schemaRef ds:uri="http://purl.org/dc/dcmitype/"/>
+    <ds:schemaRef ds:uri="http://purl.org/dc/terms/"/>
     <ds:schemaRef ds:uri="http://schemas.microsoft.com/office/2006/documentManagement/types"/>
+    <ds:schemaRef ds:uri="92c41bee-f0ee-4aa6-9399-a35fbb883510"/>
+    <ds:schemaRef ds:uri="http://schemas.openxmlformats.org/package/2006/metadata/core-properties"/>
+    <ds:schemaRef ds:uri="http://schemas.microsoft.com/office/2006/metadata/properties"/>
     <ds:schemaRef ds:uri="http://schemas.microsoft.com/office/infopath/2007/PartnerControls"/>
-    <ds:schemaRef ds:uri="http://purl.org/dc/dcmitype/"/>
-    <ds:schemaRef ds:uri="http://purl.org/dc/elements/1.1/"/>
     <ds:schemaRef ds:uri="e06ed288-fd75-4b50-bbed-f5a5df88c31c"/>
-    <ds:schemaRef ds:uri="http://schemas.microsoft.com/office/2006/metadata/properties"/>
-    <ds:schemaRef ds:uri="http://purl.org/dc/terms/"/>
-    <ds:schemaRef ds:uri="http://schemas.openxmlformats.org/package/2006/metadata/core-properties"/>
-    <ds:schemaRef ds:uri="92c41bee-f0ee-4aa6-9399-a35fbb883510"/>
     <ds:schemaRef ds:uri="http://www.w3.org/XML/1998/namespace"/>
   </ds:schemaRefs>
 </ds:datastoreItem>
 </file>
 
 <file path=customXml/itemProps2.xml><?xml version="1.0" encoding="utf-8"?>
+<ds:datastoreItem xmlns:ds="http://schemas.openxmlformats.org/officeDocument/2006/customXml" ds:itemID="{ECBA097B-6123-4B8A-8BF9-8745C25437D5}">
+  <ds:schemaRefs>
+    <ds:schemaRef ds:uri="http://schemas.microsoft.com/sharepoint/v3/contenttype/forms"/>
+  </ds:schemaRefs>
+</ds:datastoreItem>
+</file>
+
+<file path=customXml/itemProps3.xml><?xml version="1.0" encoding="utf-8"?>
 <ds:datastoreItem xmlns:ds="http://schemas.openxmlformats.org/officeDocument/2006/customXml" ds:itemID="{ECE8EA35-9C42-4825-ABC6-2C345E857976}">
   <ds:schemaRefs>
     <ds:schemaRef ds:uri="http://schemas.microsoft.com/office/2006/metadata/contentType"/>
@@ -23293,12 +23120,4 @@
     <ds:schemaRef ds:uri="http://schemas.microsoft.com/internal/obd"/>
   </ds:schemaRefs>
 </ds:datastoreItem>
-</file>
-
-<file path=customXml/itemProps3.xml><?xml version="1.0" encoding="utf-8"?>
-<ds:datastoreItem xmlns:ds="http://schemas.openxmlformats.org/officeDocument/2006/customXml" ds:itemID="{ECBA097B-6123-4B8A-8BF9-8745C25437D5}">
-  <ds:schemaRefs>
-    <ds:schemaRef ds:uri="http://schemas.microsoft.com/sharepoint/v3/contenttype/forms"/>
-  </ds:schemaRefs>
-</ds:datastoreItem>
 </file>
--- a/06_01MoreFunctionsCS152.pptx
+++ b/06_01MoreFunctionsCS152.pptx
@@ -277,27 +277,22 @@
   </pc:docChgLst>
   <pc:docChgLst>
     <pc:chgData name="Marcia Moraes" userId="c9c67e8a-58e2-4733-9a1c-5d44fec4775b" providerId="ADAL" clId="{1C161051-F305-44BC-8320-E52FAB7F9605}"/>
-    <pc:docChg chg="addSld modSld">
-      <pc:chgData name="Marcia Moraes" userId="c9c67e8a-58e2-4733-9a1c-5d44fec4775b" providerId="ADAL" clId="{1C161051-F305-44BC-8320-E52FAB7F9605}" dt="2023-02-20T00:56:24.239" v="101" actId="20577"/>
+  </pc:docChgLst>
+  <pc:docChgLst>
+    <pc:chgData name="Marcia Moraes" userId="c9c67e8a-58e2-4733-9a1c-5d44fec4775b" providerId="ADAL" clId="{B91376AB-2648-4EE8-8B12-A8EC7F34FBEC}"/>
+    <pc:docChg chg="modSld">
+      <pc:chgData name="Marcia Moraes" userId="c9c67e8a-58e2-4733-9a1c-5d44fec4775b" providerId="ADAL" clId="{B91376AB-2648-4EE8-8B12-A8EC7F34FBEC}" dt="2024-09-05T21:25:26.671" v="1" actId="5793"/>
       <pc:docMkLst>
         <pc:docMk/>
       </pc:docMkLst>
-      <pc:sldChg chg="modSp add">
-        <pc:chgData name="Marcia Moraes" userId="c9c67e8a-58e2-4733-9a1c-5d44fec4775b" providerId="ADAL" clId="{1C161051-F305-44BC-8320-E52FAB7F9605}" dt="2023-02-20T00:56:24.239" v="101" actId="20577"/>
+      <pc:sldChg chg="modSp">
+        <pc:chgData name="Marcia Moraes" userId="c9c67e8a-58e2-4733-9a1c-5d44fec4775b" providerId="ADAL" clId="{B91376AB-2648-4EE8-8B12-A8EC7F34FBEC}" dt="2024-09-05T21:25:26.671" v="1" actId="5793"/>
         <pc:sldMkLst>
           <pc:docMk/>
           <pc:sldMk cId="2570581368" sldId="301"/>
         </pc:sldMkLst>
         <pc:spChg chg="mod">
-          <ac:chgData name="Marcia Moraes" userId="c9c67e8a-58e2-4733-9a1c-5d44fec4775b" providerId="ADAL" clId="{1C161051-F305-44BC-8320-E52FAB7F9605}" dt="2023-02-20T00:55:20.167" v="21" actId="20577"/>
-          <ac:spMkLst>
-            <pc:docMk/>
-            <pc:sldMk cId="2570581368" sldId="301"/>
-            <ac:spMk id="5" creationId="{C41A88B0-CF49-5149-8DBA-17B1BA803727}"/>
-          </ac:spMkLst>
-        </pc:spChg>
-        <pc:spChg chg="mod">
-          <ac:chgData name="Marcia Moraes" userId="c9c67e8a-58e2-4733-9a1c-5d44fec4775b" providerId="ADAL" clId="{1C161051-F305-44BC-8320-E52FAB7F9605}" dt="2023-02-20T00:56:24.239" v="101" actId="20577"/>
+          <ac:chgData name="Marcia Moraes" userId="c9c67e8a-58e2-4733-9a1c-5d44fec4775b" providerId="ADAL" clId="{B91376AB-2648-4EE8-8B12-A8EC7F34FBEC}" dt="2024-09-05T21:25:26.671" v="1" actId="5793"/>
           <ac:spMkLst>
             <pc:docMk/>
             <pc:sldMk cId="2570581368" sldId="301"/>
@@ -19722,15 +19717,7 @@
             </a:pPr>
             <a:r>
               <a:rPr lang="en-US" dirty="0"/>
-              <a:t>What is the difference between local variables and </a:t>
-            </a:r>
-            <a:r>
-              <a:rPr lang="en-US"/>
-              <a:t>global variables? </a:t>
-            </a:r>
-            <a:r>
-              <a:rPr lang="en-US" dirty="0"/>
-              <a:t>Explain with your own words.</a:t>
+              <a:t>What is the difference between local variables and global variables? Explain with your own words.</a:t>
             </a:r>
           </a:p>
           <a:p>
@@ -19742,7 +19729,7 @@
           <a:p>
             <a:r>
               <a:rPr lang="en-US" dirty="0"/>
-              <a:t>Have this written in a paper, you will turn in at the end of the class.</a:t>
+              <a:t>Write your answer in our today’s attendance assignment.</a:t>
             </a:r>
           </a:p>
         </p:txBody>
@@ -22841,15 +22828,6 @@
 </file>
 
 <file path=customXml/item2.xml><?xml version="1.0" encoding="utf-8"?>
-<?mso-contentType ?>
-<FormTemplates xmlns="http://schemas.microsoft.com/sharepoint/v3/contenttype/forms">
-  <Display>DocumentLibraryForm</Display>
-  <Edit>DocumentLibraryForm</Edit>
-  <New>DocumentLibraryForm</New>
-</FormTemplates>
-</file>
-
-<file path=customXml/item3.xml><?xml version="1.0" encoding="utf-8"?>
 <ct:contentTypeSchema xmlns:ct="http://schemas.microsoft.com/office/2006/metadata/contentType" xmlns:ma="http://schemas.microsoft.com/office/2006/metadata/properties/metaAttributes" ct:_="" ma:_="" ma:contentTypeName="Document" ma:contentTypeID="0x010100074387D78AC76C4289401EF66FB51FCC" ma:contentTypeVersion="14" ma:contentTypeDescription="Create a new document." ma:contentTypeScope="" ma:versionID="16aa88660fc2fdca5573e381835fe0c9">
   <xsd:schema xmlns:xsd="http://www.w3.org/2001/XMLSchema" xmlns:xs="http://www.w3.org/2001/XMLSchema" xmlns:p="http://schemas.microsoft.com/office/2006/metadata/properties" xmlns:ns3="92c41bee-f0ee-4aa6-9399-a35fbb883510" xmlns:ns4="e06ed288-fd75-4b50-bbed-f5a5df88c31c" targetNamespace="http://schemas.microsoft.com/office/2006/metadata/properties" ma:root="true" ma:fieldsID="d08ce21c39dd96af8dcee1a6fd74aaf6" ns3:_="" ns4:_="">
     <xsd:import namespace="92c41bee-f0ee-4aa6-9399-a35fbb883510"/>
@@ -23078,32 +23056,33 @@
 </ct:contentTypeSchema>
 </file>
 
+<file path=customXml/item3.xml><?xml version="1.0" encoding="utf-8"?>
+<?mso-contentType ?>
+<FormTemplates xmlns="http://schemas.microsoft.com/sharepoint/v3/contenttype/forms">
+  <Display>DocumentLibraryForm</Display>
+  <Edit>DocumentLibraryForm</Edit>
+  <New>DocumentLibraryForm</New>
+</FormTemplates>
+</file>
+
 <file path=customXml/itemProps1.xml><?xml version="1.0" encoding="utf-8"?>
 <ds:datastoreItem xmlns:ds="http://schemas.openxmlformats.org/officeDocument/2006/customXml" ds:itemID="{05D3EE4C-68D3-4BA3-94E6-383E2DFDD168}">
   <ds:schemaRefs>
+    <ds:schemaRef ds:uri="http://schemas.microsoft.com/office/2006/documentManagement/types"/>
+    <ds:schemaRef ds:uri="http://purl.org/dc/dcmitype/"/>
+    <ds:schemaRef ds:uri="http://schemas.microsoft.com/office/infopath/2007/PartnerControls"/>
+    <ds:schemaRef ds:uri="e06ed288-fd75-4b50-bbed-f5a5df88c31c"/>
     <ds:schemaRef ds:uri="http://purl.org/dc/elements/1.1/"/>
-    <ds:schemaRef ds:uri="http://purl.org/dc/dcmitype/"/>
-    <ds:schemaRef ds:uri="http://purl.org/dc/terms/"/>
-    <ds:schemaRef ds:uri="http://schemas.microsoft.com/office/2006/documentManagement/types"/>
     <ds:schemaRef ds:uri="92c41bee-f0ee-4aa6-9399-a35fbb883510"/>
+    <ds:schemaRef ds:uri="http://www.w3.org/XML/1998/namespace"/>
     <ds:schemaRef ds:uri="http://schemas.openxmlformats.org/package/2006/metadata/core-properties"/>
     <ds:schemaRef ds:uri="http://schemas.microsoft.com/office/2006/metadata/properties"/>
-    <ds:schemaRef ds:uri="http://schemas.microsoft.com/office/infopath/2007/PartnerControls"/>
-    <ds:schemaRef ds:uri="e06ed288-fd75-4b50-bbed-f5a5df88c31c"/>
-    <ds:schemaRef ds:uri="http://www.w3.org/XML/1998/namespace"/>
+    <ds:schemaRef ds:uri="http://purl.org/dc/terms/"/>
   </ds:schemaRefs>
 </ds:datastoreItem>
 </file>
 
 <file path=customXml/itemProps2.xml><?xml version="1.0" encoding="utf-8"?>
-<ds:datastoreItem xmlns:ds="http://schemas.openxmlformats.org/officeDocument/2006/customXml" ds:itemID="{ECBA097B-6123-4B8A-8BF9-8745C25437D5}">
-  <ds:schemaRefs>
-    <ds:schemaRef ds:uri="http://schemas.microsoft.com/sharepoint/v3/contenttype/forms"/>
-  </ds:schemaRefs>
-</ds:datastoreItem>
-</file>
-
-<file path=customXml/itemProps3.xml><?xml version="1.0" encoding="utf-8"?>
 <ds:datastoreItem xmlns:ds="http://schemas.openxmlformats.org/officeDocument/2006/customXml" ds:itemID="{ECE8EA35-9C42-4825-ABC6-2C345E857976}">
   <ds:schemaRefs>
     <ds:schemaRef ds:uri="http://schemas.microsoft.com/office/2006/metadata/contentType"/>
@@ -23120,4 +23099,12 @@
     <ds:schemaRef ds:uri="http://schemas.microsoft.com/internal/obd"/>
   </ds:schemaRefs>
 </ds:datastoreItem>
+</file>
+
+<file path=customXml/itemProps3.xml><?xml version="1.0" encoding="utf-8"?>
+<ds:datastoreItem xmlns:ds="http://schemas.openxmlformats.org/officeDocument/2006/customXml" ds:itemID="{ECBA097B-6123-4B8A-8BF9-8745C25437D5}">
+  <ds:schemaRefs>
+    <ds:schemaRef ds:uri="http://schemas.microsoft.com/sharepoint/v3/contenttype/forms"/>
+  </ds:schemaRefs>
+</ds:datastoreItem>
 </file>